--- a/Präsentation/Felix - Dokumentation/SE_Dokumentation.pptx
+++ b/Präsentation/Felix - Dokumentation/SE_Dokumentation.pptx
@@ -5,7 +5,7 @@
     <p:sldMasterId id="2147483732" r:id="rId1"/>
   </p:sldMasterIdLst>
   <p:notesMasterIdLst>
-    <p:notesMasterId r:id="rId30"/>
+    <p:notesMasterId r:id="rId31"/>
   </p:notesMasterIdLst>
   <p:sldIdLst>
     <p:sldId id="256" r:id="rId2"/>
@@ -29,13 +29,14 @@
     <p:sldId id="274" r:id="rId20"/>
     <p:sldId id="273" r:id="rId21"/>
     <p:sldId id="275" r:id="rId22"/>
-    <p:sldId id="278" r:id="rId23"/>
+    <p:sldId id="286" r:id="rId23"/>
     <p:sldId id="279" r:id="rId24"/>
     <p:sldId id="280" r:id="rId25"/>
     <p:sldId id="281" r:id="rId26"/>
     <p:sldId id="282" r:id="rId27"/>
     <p:sldId id="284" r:id="rId28"/>
     <p:sldId id="283" r:id="rId29"/>
+    <p:sldId id="285" r:id="rId30"/>
   </p:sldIdLst>
   <p:sldSz cx="12192000" cy="6858000"/>
   <p:notesSz cx="6858000" cy="9144000"/>
@@ -224,7 +225,7 @@
           <a:p>
             <a:fld id="{9DDE73F9-5AD5-411A-95DF-9C6DB7B7AD66}" type="datetimeFigureOut">
               <a:rPr lang="de-DE" smtClean="0"/>
-              <a:t>29.06.2014</a:t>
+              <a:t>30.06.2014</a:t>
             </a:fld>
             <a:endParaRPr lang="de-DE"/>
           </a:p>
@@ -707,7 +708,7 @@
           <a:p>
             <a:fld id="{81431984-7FDD-48AB-A972-46FD70BE8D41}" type="datetimeFigureOut">
               <a:rPr lang="de-DE" smtClean="0"/>
-              <a:t>29.06.2014</a:t>
+              <a:t>30.06.2014</a:t>
             </a:fld>
             <a:endParaRPr lang="de-DE"/>
           </a:p>
@@ -877,7 +878,7 @@
           <a:p>
             <a:fld id="{81431984-7FDD-48AB-A972-46FD70BE8D41}" type="datetimeFigureOut">
               <a:rPr lang="de-DE" smtClean="0"/>
-              <a:t>29.06.2014</a:t>
+              <a:t>30.06.2014</a:t>
             </a:fld>
             <a:endParaRPr lang="de-DE"/>
           </a:p>
@@ -1057,7 +1058,7 @@
           <a:p>
             <a:fld id="{81431984-7FDD-48AB-A972-46FD70BE8D41}" type="datetimeFigureOut">
               <a:rPr lang="de-DE" smtClean="0"/>
-              <a:t>29.06.2014</a:t>
+              <a:t>30.06.2014</a:t>
             </a:fld>
             <a:endParaRPr lang="de-DE"/>
           </a:p>
@@ -1227,7 +1228,7 @@
           <a:p>
             <a:fld id="{81431984-7FDD-48AB-A972-46FD70BE8D41}" type="datetimeFigureOut">
               <a:rPr lang="de-DE" smtClean="0"/>
-              <a:t>29.06.2014</a:t>
+              <a:t>30.06.2014</a:t>
             </a:fld>
             <a:endParaRPr lang="de-DE"/>
           </a:p>
@@ -1473,7 +1474,7 @@
           <a:p>
             <a:fld id="{81431984-7FDD-48AB-A972-46FD70BE8D41}" type="datetimeFigureOut">
               <a:rPr lang="de-DE" smtClean="0"/>
-              <a:t>29.06.2014</a:t>
+              <a:t>30.06.2014</a:t>
             </a:fld>
             <a:endParaRPr lang="de-DE"/>
           </a:p>
@@ -1705,7 +1706,7 @@
           <a:p>
             <a:fld id="{81431984-7FDD-48AB-A972-46FD70BE8D41}" type="datetimeFigureOut">
               <a:rPr lang="de-DE" smtClean="0"/>
-              <a:t>29.06.2014</a:t>
+              <a:t>30.06.2014</a:t>
             </a:fld>
             <a:endParaRPr lang="de-DE"/>
           </a:p>
@@ -2072,7 +2073,7 @@
           <a:p>
             <a:fld id="{81431984-7FDD-48AB-A972-46FD70BE8D41}" type="datetimeFigureOut">
               <a:rPr lang="de-DE" smtClean="0"/>
-              <a:t>29.06.2014</a:t>
+              <a:t>30.06.2014</a:t>
             </a:fld>
             <a:endParaRPr lang="de-DE"/>
           </a:p>
@@ -2190,7 +2191,7 @@
           <a:p>
             <a:fld id="{81431984-7FDD-48AB-A972-46FD70BE8D41}" type="datetimeFigureOut">
               <a:rPr lang="de-DE" smtClean="0"/>
-              <a:t>29.06.2014</a:t>
+              <a:t>30.06.2014</a:t>
             </a:fld>
             <a:endParaRPr lang="de-DE"/>
           </a:p>
@@ -2285,7 +2286,7 @@
           <a:p>
             <a:fld id="{81431984-7FDD-48AB-A972-46FD70BE8D41}" type="datetimeFigureOut">
               <a:rPr lang="de-DE" smtClean="0"/>
-              <a:t>29.06.2014</a:t>
+              <a:t>30.06.2014</a:t>
             </a:fld>
             <a:endParaRPr lang="de-DE"/>
           </a:p>
@@ -2562,7 +2563,7 @@
           <a:p>
             <a:fld id="{81431984-7FDD-48AB-A972-46FD70BE8D41}" type="datetimeFigureOut">
               <a:rPr lang="de-DE" smtClean="0"/>
-              <a:t>29.06.2014</a:t>
+              <a:t>30.06.2014</a:t>
             </a:fld>
             <a:endParaRPr lang="de-DE"/>
           </a:p>
@@ -2819,7 +2820,7 @@
           <a:p>
             <a:fld id="{81431984-7FDD-48AB-A972-46FD70BE8D41}" type="datetimeFigureOut">
               <a:rPr lang="de-DE" smtClean="0"/>
-              <a:t>29.06.2014</a:t>
+              <a:t>30.06.2014</a:t>
             </a:fld>
             <a:endParaRPr lang="de-DE"/>
           </a:p>
@@ -3032,7 +3033,7 @@
           <a:p>
             <a:fld id="{81431984-7FDD-48AB-A972-46FD70BE8D41}" type="datetimeFigureOut">
               <a:rPr lang="de-DE" smtClean="0"/>
-              <a:t>29.06.2014</a:t>
+              <a:t>30.06.2014</a:t>
             </a:fld>
             <a:endParaRPr lang="de-DE"/>
           </a:p>
@@ -3477,12 +3478,6 @@
           <a:p>
             <a:r>
               <a:rPr lang="de-DE" dirty="0" smtClean="0"/>
-              <a:t>Case04</a:t>
-            </a:r>
-          </a:p>
-          <a:p>
-            <a:r>
-              <a:rPr lang="de-DE" dirty="0" smtClean="0"/>
               <a:t>Felix Krautschuk (</a:t>
             </a:r>
             <a:r>
@@ -3492,6 +3487,12 @@
             <a:r>
               <a:rPr lang="de-DE" dirty="0" smtClean="0"/>
               <a:t>)</a:t>
+            </a:r>
+          </a:p>
+          <a:p>
+            <a:r>
+              <a:rPr lang="de-DE" dirty="0" smtClean="0"/>
+              <a:t>04.07.2014</a:t>
             </a:r>
             <a:endParaRPr lang="de-DE" dirty="0"/>
           </a:p>
@@ -3507,9 +3508,18 @@
   <p:clrMapOvr>
     <a:masterClrMapping/>
   </p:clrMapOvr>
-  <p:transition>
-    <p:push dir="u"/>
-  </p:transition>
+  <mc:AlternateContent xmlns:mc="http://schemas.openxmlformats.org/markup-compatibility/2006" xmlns:p14="http://schemas.microsoft.com/office/powerpoint/2010/main">
+    <mc:Choice Requires="p14">
+      <p:transition p14:dur="250">
+        <p:push dir="u"/>
+      </p:transition>
+    </mc:Choice>
+    <mc:Fallback xmlns="">
+      <p:transition>
+        <p:push dir="u"/>
+      </p:transition>
+    </mc:Fallback>
+  </mc:AlternateContent>
   <p:timing>
     <p:tnLst>
       <p:par>
@@ -3622,9 +3632,18 @@
   <p:clrMapOvr>
     <a:masterClrMapping/>
   </p:clrMapOvr>
-  <p:transition>
-    <p:push dir="u"/>
-  </p:transition>
+  <mc:AlternateContent xmlns:mc="http://schemas.openxmlformats.org/markup-compatibility/2006" xmlns:p14="http://schemas.microsoft.com/office/powerpoint/2010/main">
+    <mc:Choice Requires="p14">
+      <p:transition p14:dur="250">
+        <p:push dir="u"/>
+      </p:transition>
+    </mc:Choice>
+    <mc:Fallback xmlns="">
+      <p:transition>
+        <p:push dir="u"/>
+      </p:transition>
+    </mc:Fallback>
+  </mc:AlternateContent>
   <p:timing>
     <p:tnLst>
       <p:par>
@@ -4055,9 +4074,18 @@
   <p:clrMapOvr>
     <a:masterClrMapping/>
   </p:clrMapOvr>
-  <p:transition>
-    <p:push dir="u"/>
-  </p:transition>
+  <mc:AlternateContent xmlns:mc="http://schemas.openxmlformats.org/markup-compatibility/2006" xmlns:p14="http://schemas.microsoft.com/office/powerpoint/2010/main">
+    <mc:Choice Requires="p14">
+      <p:transition p14:dur="250">
+        <p:push dir="u"/>
+      </p:transition>
+    </mc:Choice>
+    <mc:Fallback xmlns="">
+      <p:transition>
+        <p:push dir="u"/>
+      </p:transition>
+    </mc:Fallback>
+  </mc:AlternateContent>
   <p:timing>
     <p:tnLst>
       <p:par>
@@ -4163,7 +4191,7 @@
             </a:r>
             <a:r>
               <a:rPr lang="de-DE" dirty="0" smtClean="0"/>
-              <a:t>unächst schnelle Mitschrift in Textdatei</a:t>
+              <a:t>unächst „schnelle“ Mitschrift in Textdatei</a:t>
             </a:r>
           </a:p>
           <a:p>
@@ -4177,16 +4205,13 @@
             <a:pPr marL="800100" lvl="2" indent="-342900"/>
             <a:r>
               <a:rPr lang="de-DE" dirty="0" smtClean="0"/>
-              <a:t>Veröffentlichung in </a:t>
+              <a:t>Bereitstellung in </a:t>
             </a:r>
             <a:r>
               <a:rPr lang="de-DE" dirty="0" err="1" smtClean="0"/>
               <a:t>Github</a:t>
             </a:r>
-            <a:r>
-              <a:rPr lang="de-DE" dirty="0" smtClean="0"/>
-              <a:t> für gesamtes Team</a:t>
-            </a:r>
+            <a:endParaRPr lang="de-DE" dirty="0" smtClean="0"/>
           </a:p>
           <a:p>
             <a:pPr marL="342900" lvl="1" indent="-342900"/>
@@ -4238,9 +4263,18 @@
   <p:clrMapOvr>
     <a:masterClrMapping/>
   </p:clrMapOvr>
-  <p:transition>
-    <p:push dir="u"/>
-  </p:transition>
+  <mc:AlternateContent xmlns:mc="http://schemas.openxmlformats.org/markup-compatibility/2006" xmlns:p14="http://schemas.microsoft.com/office/powerpoint/2010/main">
+    <mc:Choice Requires="p14">
+      <p:transition p14:dur="250">
+        <p:push dir="u"/>
+      </p:transition>
+    </mc:Choice>
+    <mc:Fallback xmlns="">
+      <p:transition>
+        <p:push dir="u"/>
+      </p:transition>
+    </mc:Fallback>
+  </mc:AlternateContent>
   <p:timing>
     <p:tnLst>
       <p:par>
@@ -4326,9 +4360,18 @@
   <p:clrMapOvr>
     <a:masterClrMapping/>
   </p:clrMapOvr>
-  <p:transition>
-    <p:push dir="u"/>
-  </p:transition>
+  <mc:AlternateContent xmlns:mc="http://schemas.openxmlformats.org/markup-compatibility/2006" xmlns:p14="http://schemas.microsoft.com/office/powerpoint/2010/main">
+    <mc:Choice Requires="p14">
+      <p:transition p14:dur="250">
+        <p:push dir="u"/>
+      </p:transition>
+    </mc:Choice>
+    <mc:Fallback xmlns="">
+      <p:transition>
+        <p:push dir="u"/>
+      </p:transition>
+    </mc:Fallback>
+  </mc:AlternateContent>
   <p:timing>
     <p:tnLst>
       <p:par>
@@ -4392,9 +4435,18 @@
   <p:clrMapOvr>
     <a:masterClrMapping/>
   </p:clrMapOvr>
-  <p:transition>
-    <p:push dir="u"/>
-  </p:transition>
+  <mc:AlternateContent xmlns:mc="http://schemas.openxmlformats.org/markup-compatibility/2006" xmlns:p14="http://schemas.microsoft.com/office/powerpoint/2010/main">
+    <mc:Choice Requires="p14">
+      <p:transition p14:dur="250">
+        <p:push dir="u"/>
+      </p:transition>
+    </mc:Choice>
+    <mc:Fallback xmlns="">
+      <p:transition>
+        <p:push dir="u"/>
+      </p:transition>
+    </mc:Fallback>
+  </mc:AlternateContent>
   <p:timing>
     <p:tnLst>
       <p:par>
@@ -4512,9 +4564,18 @@
   <p:clrMapOvr>
     <a:masterClrMapping/>
   </p:clrMapOvr>
-  <p:transition>
-    <p:push dir="u"/>
-  </p:transition>
+  <mc:AlternateContent xmlns:mc="http://schemas.openxmlformats.org/markup-compatibility/2006" xmlns:p14="http://schemas.microsoft.com/office/powerpoint/2010/main">
+    <mc:Choice Requires="p14">
+      <p:transition p14:dur="250">
+        <p:push dir="u"/>
+      </p:transition>
+    </mc:Choice>
+    <mc:Fallback xmlns="">
+      <p:transition>
+        <p:push dir="u"/>
+      </p:transition>
+    </mc:Fallback>
+  </mc:AlternateContent>
   <p:timing>
     <p:tnLst>
       <p:par>
@@ -4604,9 +4665,18 @@
   <p:clrMapOvr>
     <a:masterClrMapping/>
   </p:clrMapOvr>
-  <p:transition>
-    <p:push dir="u"/>
-  </p:transition>
+  <mc:AlternateContent xmlns:mc="http://schemas.openxmlformats.org/markup-compatibility/2006" xmlns:p14="http://schemas.microsoft.com/office/powerpoint/2010/main">
+    <mc:Choice Requires="p14">
+      <p:transition p14:dur="250">
+        <p:push dir="u"/>
+      </p:transition>
+    </mc:Choice>
+    <mc:Fallback xmlns="">
+      <p:transition>
+        <p:push dir="u"/>
+      </p:transition>
+    </mc:Fallback>
+  </mc:AlternateContent>
   <p:timing>
     <p:tnLst>
       <p:par>
@@ -4810,9 +4880,18 @@
   <p:clrMapOvr>
     <a:masterClrMapping/>
   </p:clrMapOvr>
-  <p:transition>
-    <p:push dir="u"/>
-  </p:transition>
+  <mc:AlternateContent xmlns:mc="http://schemas.openxmlformats.org/markup-compatibility/2006" xmlns:p14="http://schemas.microsoft.com/office/powerpoint/2010/main">
+    <mc:Choice Requires="p14">
+      <p:transition p14:dur="250">
+        <p:push dir="u"/>
+      </p:transition>
+    </mc:Choice>
+    <mc:Fallback xmlns="">
+      <p:transition>
+        <p:push dir="u"/>
+      </p:transition>
+    </mc:Fallback>
+  </mc:AlternateContent>
   <p:timing>
     <p:tnLst>
       <p:par>
@@ -4999,9 +5078,18 @@
   <p:clrMapOvr>
     <a:masterClrMapping/>
   </p:clrMapOvr>
-  <p:transition>
-    <p:push dir="u"/>
-  </p:transition>
+  <mc:AlternateContent xmlns:mc="http://schemas.openxmlformats.org/markup-compatibility/2006" xmlns:p14="http://schemas.microsoft.com/office/powerpoint/2010/main">
+    <mc:Choice Requires="p14">
+      <p:transition p14:dur="250">
+        <p:push dir="u"/>
+      </p:transition>
+    </mc:Choice>
+    <mc:Fallback xmlns="">
+      <p:transition>
+        <p:push dir="u"/>
+      </p:transition>
+    </mc:Fallback>
+  </mc:AlternateContent>
   <p:timing>
     <p:tnLst>
       <p:par>
@@ -5164,9 +5252,18 @@
   <p:clrMapOvr>
     <a:masterClrMapping/>
   </p:clrMapOvr>
-  <p:transition>
-    <p:push dir="u"/>
-  </p:transition>
+  <mc:AlternateContent xmlns:mc="http://schemas.openxmlformats.org/markup-compatibility/2006" xmlns:p14="http://schemas.microsoft.com/office/powerpoint/2010/main">
+    <mc:Choice Requires="p14">
+      <p:transition p14:dur="250">
+        <p:push dir="u"/>
+      </p:transition>
+    </mc:Choice>
+    <mc:Fallback xmlns="">
+      <p:transition>
+        <p:push dir="u"/>
+      </p:transition>
+    </mc:Fallback>
+  </mc:AlternateContent>
 </p:sld>
 </file>
 
@@ -5228,7 +5325,7 @@
         </p:spPr>
         <p:txBody>
           <a:bodyPr>
-            <a:normAutofit fontScale="92500" lnSpcReduction="10000"/>
+            <a:normAutofit fontScale="92500" lnSpcReduction="20000"/>
           </a:bodyPr>
           <a:lstStyle/>
           <a:p>
@@ -5334,11 +5431,7 @@
             </a:r>
             <a:r>
               <a:rPr lang="de-DE" dirty="0" smtClean="0"/>
-              <a:t>2.6. </a:t>
-            </a:r>
-            <a:r>
-              <a:rPr lang="de-DE" dirty="0" smtClean="0"/>
-              <a:t>Testdokumentation</a:t>
+              <a:t>2.6. Testdokumentation</a:t>
             </a:r>
           </a:p>
           <a:p>
@@ -5351,23 +5444,26 @@
             </a:r>
             <a:r>
               <a:rPr lang="de-DE" dirty="0" smtClean="0"/>
-              <a:t>2.7. Reflexion (Verantwortlichkeit)</a:t>
-            </a:r>
-            <a:endParaRPr lang="de-DE" dirty="0" smtClean="0"/>
-          </a:p>
-          <a:p>
-            <a:pPr marL="0" indent="0">
-              <a:buNone/>
+              <a:t>2.7. Reflexion (Dokumentation)</a:t>
+            </a:r>
+          </a:p>
+          <a:p>
+            <a:pPr marL="514350" indent="-514350">
+              <a:buAutoNum type="arabicPeriod" startAt="3"/>
             </a:pPr>
             <a:r>
               <a:rPr lang="de-DE" dirty="0" smtClean="0"/>
-              <a:t>3.    Sonstige </a:t>
-            </a:r>
-            <a:r>
-              <a:rPr lang="de-DE" dirty="0" smtClean="0"/>
-              <a:t>Tätigkeiten</a:t>
-            </a:r>
-            <a:endParaRPr lang="de-DE" dirty="0" smtClean="0"/>
+              <a:t>Sonstige Tätigkeiten</a:t>
+            </a:r>
+          </a:p>
+          <a:p>
+            <a:pPr marL="514350" indent="-514350">
+              <a:buAutoNum type="arabicPeriod" startAt="3"/>
+            </a:pPr>
+            <a:r>
+              <a:rPr lang="de-DE" dirty="0" smtClean="0"/>
+              <a:t>Gesamteinschätzung</a:t>
+            </a:r>
           </a:p>
         </p:txBody>
       </p:sp>
@@ -5381,9 +5477,18 @@
   <p:clrMapOvr>
     <a:masterClrMapping/>
   </p:clrMapOvr>
-  <p:transition>
-    <p:push dir="u"/>
-  </p:transition>
+  <mc:AlternateContent xmlns:mc="http://schemas.openxmlformats.org/markup-compatibility/2006" xmlns:p14="http://schemas.microsoft.com/office/powerpoint/2010/main">
+    <mc:Choice Requires="p14">
+      <p:transition p14:dur="250">
+        <p:push dir="u"/>
+      </p:transition>
+    </mc:Choice>
+    <mc:Fallback xmlns="">
+      <p:transition>
+        <p:push dir="u"/>
+      </p:transition>
+    </mc:Fallback>
+  </mc:AlternateContent>
   <p:timing>
     <p:tnLst>
       <p:par>
@@ -5575,9 +5680,18 @@
   <p:clrMapOvr>
     <a:masterClrMapping/>
   </p:clrMapOvr>
-  <p:transition>
-    <p:push dir="u"/>
-  </p:transition>
+  <mc:AlternateContent xmlns:mc="http://schemas.openxmlformats.org/markup-compatibility/2006" xmlns:p14="http://schemas.microsoft.com/office/powerpoint/2010/main">
+    <mc:Choice Requires="p14">
+      <p:transition p14:dur="250">
+        <p:push dir="u"/>
+      </p:transition>
+    </mc:Choice>
+    <mc:Fallback xmlns="">
+      <p:transition>
+        <p:push dir="u"/>
+      </p:transition>
+    </mc:Fallback>
+  </mc:AlternateContent>
 </p:sld>
 </file>
 
@@ -5677,7 +5791,16 @@
             <a:pPr lvl="3"/>
             <a:r>
               <a:rPr lang="de-DE" sz="2000" dirty="0" smtClean="0"/>
-              <a:t>Klassendiagramm</a:t>
+              <a:t>Klassendiagramm (ohne</a:t>
+            </a:r>
+          </a:p>
+          <a:p>
+            <a:pPr marL="1371600" lvl="3" indent="0">
+              <a:buNone/>
+            </a:pPr>
+            <a:r>
+              <a:rPr lang="de-DE" sz="2000" dirty="0" smtClean="0"/>
+              <a:t>Methoden)</a:t>
             </a:r>
           </a:p>
           <a:p>
@@ -5746,9 +5869,18 @@
   <p:clrMapOvr>
     <a:masterClrMapping/>
   </p:clrMapOvr>
-  <p:transition>
-    <p:push dir="u"/>
-  </p:transition>
+  <mc:AlternateContent xmlns:mc="http://schemas.openxmlformats.org/markup-compatibility/2006" xmlns:p14="http://schemas.microsoft.com/office/powerpoint/2010/main">
+    <mc:Choice Requires="p14">
+      <p:transition p14:dur="250">
+        <p:push dir="u"/>
+      </p:transition>
+    </mc:Choice>
+    <mc:Fallback xmlns="">
+      <p:transition>
+        <p:push dir="u"/>
+      </p:transition>
+    </mc:Fallback>
+  </mc:AlternateContent>
   <p:timing>
     <p:tnLst>
       <p:par>
@@ -5808,17 +5940,24 @@
             <p:ph idx="1"/>
           </p:nvPr>
         </p:nvSpPr>
-        <p:spPr/>
-        <p:txBody>
-          <a:bodyPr/>
+        <p:spPr>
+          <a:xfrm>
+            <a:off x="838200" y="1473958"/>
+            <a:ext cx="10515600" cy="4703005"/>
+          </a:xfrm>
+        </p:spPr>
+        <p:txBody>
+          <a:bodyPr>
+            <a:normAutofit lnSpcReduction="10000"/>
+          </a:bodyPr>
           <a:lstStyle/>
           <a:p>
             <a:pPr marL="0" indent="0">
               <a:buNone/>
             </a:pPr>
             <a:r>
-              <a:rPr lang="de-DE" b="1" u="sng" dirty="0"/>
-              <a:t>Erfahrungen</a:t>
+              <a:rPr lang="de-DE" b="1" u="sng" dirty="0" smtClean="0"/>
+              <a:t>Erfahrungen (Implementierung)</a:t>
             </a:r>
             <a:endParaRPr lang="de-DE" dirty="0"/>
           </a:p>
@@ -5834,80 +5973,121 @@
           </a:p>
           <a:p>
             <a:r>
-              <a:rPr lang="de-DE" sz="2400" dirty="0"/>
-              <a:t>Was würde ich nächstes das nächste mal anders machen?</a:t>
+              <a:rPr lang="de-DE" sz="2400" dirty="0" smtClean="0"/>
+              <a:t>Implementierungs-Teil entstand erst nachdem Programm fertiggestellt war</a:t>
             </a:r>
           </a:p>
           <a:p>
             <a:pPr lvl="1"/>
             <a:r>
-              <a:rPr lang="de-DE" sz="2000" dirty="0"/>
-              <a:t>Während der Implementation </a:t>
-            </a:r>
-            <a:r>
               <a:rPr lang="de-DE" sz="2000" dirty="0" smtClean="0"/>
-              <a:t>dokumentieren </a:t>
-            </a:r>
-            <a:r>
-              <a:rPr lang="de-DE" sz="2000" dirty="0" smtClean="0">
-                <a:sym typeface="Wingdings" panose="05000000000000000000" pitchFamily="2" charset="2"/>
-              </a:rPr>
-              <a:t> kein nachträgliches Hineindenken in den Code</a:t>
+              <a:t> Warum?</a:t>
+            </a:r>
+          </a:p>
+          <a:p>
+            <a:pPr lvl="2"/>
+            <a:r>
+              <a:rPr lang="de-DE" sz="1800" dirty="0" smtClean="0"/>
+              <a:t> Benjamin und Markus arbeiteten sehr schnell und zu (für mich) ungünstigen Arbeitszeiten</a:t>
+            </a:r>
+          </a:p>
+          <a:p>
+            <a:pPr lvl="2"/>
+            <a:r>
+              <a:rPr lang="de-DE" sz="1800" dirty="0" smtClean="0"/>
+              <a:t> paralleles Dokumentieren hätte Programmier-Prozess aufgehalten</a:t>
+            </a:r>
+          </a:p>
+          <a:p>
+            <a:pPr lvl="2"/>
+            <a:r>
+              <a:rPr lang="de-DE" sz="1800" dirty="0" smtClean="0"/>
+              <a:t> Dokumentation hätte schrittweise aktualisiert werden müssen</a:t>
+            </a:r>
+          </a:p>
+          <a:p>
+            <a:pPr marL="800100" lvl="3" indent="-342900"/>
+            <a:r>
+              <a:rPr lang="de-DE" sz="2000" dirty="0" smtClean="0"/>
+              <a:t>Nachteile:</a:t>
+            </a:r>
+          </a:p>
+          <a:p>
+            <a:pPr marL="1257300" lvl="4" indent="-342900"/>
+            <a:r>
+              <a:rPr lang="de-DE" dirty="0" smtClean="0"/>
+              <a:t>nachträgliche Kommentierung des Quellcodes</a:t>
+            </a:r>
+          </a:p>
+          <a:p>
+            <a:pPr marL="1257300" lvl="4" indent="-342900"/>
+            <a:r>
+              <a:rPr lang="de-DE" dirty="0" smtClean="0"/>
+              <a:t>mühseliges, nachträgliches Einlesen in den Quellcode</a:t>
+            </a:r>
+          </a:p>
+          <a:p>
+            <a:pPr marL="1257300" lvl="4" indent="-342900"/>
+            <a:r>
+              <a:rPr lang="de-DE" dirty="0" smtClean="0"/>
+              <a:t>selbstständiges Arbeiten meinerseits nicht wirklich möglich</a:t>
+            </a:r>
+          </a:p>
+          <a:p>
+            <a:pPr marL="0" lvl="4" indent="-342900"/>
+            <a:r>
+              <a:rPr lang="de-DE" sz="2400" dirty="0" smtClean="0"/>
+              <a:t>Verbesserung:</a:t>
+            </a:r>
+            <a:endParaRPr lang="de-DE" sz="2400" dirty="0"/>
+          </a:p>
+          <a:p>
+            <a:pPr marL="800100" lvl="6" indent="-342900"/>
+            <a:r>
+              <a:rPr lang="de-DE" sz="2000" dirty="0" smtClean="0"/>
+              <a:t>Grundgerüst der Dokumentation generieren lassen (</a:t>
+            </a:r>
+            <a:r>
+              <a:rPr lang="de-DE" sz="2000" dirty="0" err="1" smtClean="0"/>
+              <a:t>Doxygen</a:t>
+            </a:r>
+            <a:r>
+              <a:rPr lang="de-DE" sz="2000" dirty="0" smtClean="0"/>
+              <a:t>)</a:t>
+            </a:r>
+          </a:p>
+          <a:p>
+            <a:pPr marL="800100" lvl="6" indent="-342900"/>
+            <a:r>
+              <a:rPr lang="de-DE" sz="2000" dirty="0" smtClean="0"/>
+              <a:t>Programmierer mehr beim kommentieren überwachen</a:t>
             </a:r>
             <a:endParaRPr lang="de-DE" sz="2000" dirty="0"/>
-          </a:p>
-          <a:p>
-            <a:pPr lvl="1"/>
-            <a:r>
-              <a:rPr lang="de-DE" sz="2000" dirty="0"/>
-              <a:t>Programmierer mehr „überwachen“</a:t>
-            </a:r>
-          </a:p>
-          <a:p>
-            <a:pPr lvl="2"/>
-            <a:r>
-              <a:rPr lang="de-DE" sz="1600" dirty="0"/>
-              <a:t>s</a:t>
-            </a:r>
-            <a:r>
-              <a:rPr lang="de-DE" sz="1600" dirty="0" smtClean="0"/>
-              <a:t>pärliche Quellcodekommentierung (aus Sicht der Programmierer ausreichend)</a:t>
-            </a:r>
-            <a:endParaRPr lang="de-DE" sz="1600" dirty="0"/>
-          </a:p>
-          <a:p>
-            <a:r>
-              <a:rPr lang="de-DE" sz="2400" dirty="0" smtClean="0"/>
-              <a:t>Problem: Implementierung ging sehr schnell</a:t>
-            </a:r>
-          </a:p>
-          <a:p>
-            <a:r>
-              <a:rPr lang="de-DE" sz="2400" dirty="0" smtClean="0"/>
-              <a:t>Folge: kein wirklich selbstständiges Arbeiten meinerseits möglich</a:t>
-            </a:r>
-          </a:p>
-          <a:p>
-            <a:r>
-              <a:rPr lang="de-DE" sz="2400" dirty="0" smtClean="0"/>
-              <a:t>Vorteil meiner Herangehensweise: Dokumentation der Implementation musste nicht ständig aktualisiert werden</a:t>
-            </a:r>
           </a:p>
         </p:txBody>
       </p:sp>
     </p:spTree>
     <p:extLst>
       <p:ext uri="{BB962C8B-B14F-4D97-AF65-F5344CB8AC3E}">
-        <p14:creationId xmlns:p14="http://schemas.microsoft.com/office/powerpoint/2010/main" val="1796605600"/>
+        <p14:creationId xmlns:p14="http://schemas.microsoft.com/office/powerpoint/2010/main" val="37552378"/>
       </p:ext>
     </p:extLst>
   </p:cSld>
   <p:clrMapOvr>
     <a:masterClrMapping/>
   </p:clrMapOvr>
-  <p:transition>
-    <p:push dir="u"/>
-  </p:transition>
+  <mc:AlternateContent xmlns:mc="http://schemas.openxmlformats.org/markup-compatibility/2006" xmlns:p14="http://schemas.microsoft.com/office/powerpoint/2010/main">
+    <mc:Choice Requires="p14">
+      <p:transition p14:dur="250">
+        <p:push dir="u"/>
+      </p:transition>
+    </mc:Choice>
+    <mc:Fallback xmlns="">
+      <p:transition>
+        <p:push dir="u"/>
+      </p:transition>
+    </mc:Fallback>
+  </mc:AlternateContent>
   <p:timing>
     <p:tnLst>
       <p:par>
@@ -6069,9 +6249,18 @@
   <p:clrMapOvr>
     <a:masterClrMapping/>
   </p:clrMapOvr>
-  <p:transition>
-    <p:push dir="u"/>
-  </p:transition>
+  <mc:AlternateContent xmlns:mc="http://schemas.openxmlformats.org/markup-compatibility/2006" xmlns:p14="http://schemas.microsoft.com/office/powerpoint/2010/main">
+    <mc:Choice Requires="p14">
+      <p:transition p14:dur="250">
+        <p:push dir="u"/>
+      </p:transition>
+    </mc:Choice>
+    <mc:Fallback xmlns="">
+      <p:transition>
+        <p:push dir="u"/>
+      </p:transition>
+    </mc:Fallback>
+  </mc:AlternateContent>
   <p:timing>
     <p:tnLst>
       <p:par>
@@ -6253,9 +6442,18 @@
   <p:clrMapOvr>
     <a:masterClrMapping/>
   </p:clrMapOvr>
-  <p:transition>
-    <p:push dir="u"/>
-  </p:transition>
+  <mc:AlternateContent xmlns:mc="http://schemas.openxmlformats.org/markup-compatibility/2006" xmlns:p14="http://schemas.microsoft.com/office/powerpoint/2010/main">
+    <mc:Choice Requires="p14">
+      <p:transition p14:dur="250">
+        <p:push dir="u"/>
+      </p:transition>
+    </mc:Choice>
+    <mc:Fallback xmlns="">
+      <p:transition>
+        <p:push dir="u"/>
+      </p:transition>
+    </mc:Fallback>
+  </mc:AlternateContent>
   <p:timing>
     <p:tnLst>
       <p:par>
@@ -6402,9 +6600,18 @@
   <p:clrMapOvr>
     <a:masterClrMapping/>
   </p:clrMapOvr>
-  <p:transition>
-    <p:push dir="u"/>
-  </p:transition>
+  <mc:AlternateContent xmlns:mc="http://schemas.openxmlformats.org/markup-compatibility/2006" xmlns:p14="http://schemas.microsoft.com/office/powerpoint/2010/main">
+    <mc:Choice Requires="p14">
+      <p:transition p14:dur="250">
+        <p:push dir="u"/>
+      </p:transition>
+    </mc:Choice>
+    <mc:Fallback xmlns="">
+      <p:transition>
+        <p:push dir="u"/>
+      </p:transition>
+    </mc:Fallback>
+  </mc:AlternateContent>
   <p:timing>
     <p:tnLst>
       <p:par>
@@ -6484,9 +6691,18 @@
   <p:clrMapOvr>
     <a:masterClrMapping/>
   </p:clrMapOvr>
-  <p:transition>
-    <p:push dir="u"/>
-  </p:transition>
+  <mc:AlternateContent xmlns:mc="http://schemas.openxmlformats.org/markup-compatibility/2006" xmlns:p14="http://schemas.microsoft.com/office/powerpoint/2010/main">
+    <mc:Choice Requires="p14">
+      <p:transition p14:dur="250">
+        <p:push dir="u"/>
+      </p:transition>
+    </mc:Choice>
+    <mc:Fallback xmlns="">
+      <p:transition>
+        <p:push dir="u"/>
+      </p:transition>
+    </mc:Fallback>
+  </mc:AlternateContent>
 </p:sld>
 </file>
 
@@ -6543,7 +6759,7 @@
         <p:spPr/>
         <p:txBody>
           <a:bodyPr>
-            <a:normAutofit lnSpcReduction="10000"/>
+            <a:normAutofit fontScale="92500" lnSpcReduction="10000"/>
           </a:bodyPr>
           <a:lstStyle/>
           <a:p>
@@ -6590,49 +6806,70 @@
             <a:pPr lvl="1"/>
             <a:r>
               <a:rPr lang="de-DE" dirty="0" smtClean="0"/>
-              <a:t>Entwicklerdokumentation erst nach Fertigstellung des Programmes</a:t>
+              <a:t>direkte Zusammenarbeit mit den Experten (</a:t>
+            </a:r>
+            <a:r>
+              <a:rPr lang="de-DE" dirty="0" err="1" smtClean="0"/>
+              <a:t>evtl</a:t>
+            </a:r>
+            <a:r>
+              <a:rPr lang="de-DE" dirty="0" smtClean="0"/>
+              <a:t> noch mehr verstärken)</a:t>
+            </a:r>
+          </a:p>
+          <a:p>
+            <a:r>
+              <a:rPr lang="de-DE" dirty="0" smtClean="0"/>
+              <a:t>Negativ:</a:t>
+            </a:r>
+          </a:p>
+          <a:p>
+            <a:pPr lvl="1"/>
+            <a:r>
+              <a:rPr lang="de-DE" dirty="0" smtClean="0"/>
+              <a:t>keine Vorlage für Protokoll benutzt (immer leeres Dokument)</a:t>
+            </a:r>
+          </a:p>
+          <a:p>
+            <a:pPr lvl="1"/>
+            <a:r>
+              <a:rPr lang="de-DE" dirty="0" smtClean="0"/>
+              <a:t>Ich habe als Verantwortlicher nicht immer genügend Verantwortung übernommen</a:t>
             </a:r>
           </a:p>
           <a:p>
             <a:pPr lvl="2"/>
             <a:r>
               <a:rPr lang="de-DE" dirty="0" smtClean="0"/>
-              <a:t>sparte ständiges Aktualisieren der Dokumentation</a:t>
-            </a:r>
-          </a:p>
-          <a:p>
-            <a:r>
-              <a:rPr lang="de-DE" dirty="0" smtClean="0"/>
-              <a:t>Negativ:</a:t>
-            </a:r>
-          </a:p>
-          <a:p>
-            <a:pPr lvl="1"/>
-            <a:r>
-              <a:rPr lang="de-DE" dirty="0" smtClean="0"/>
-              <a:t>zu wenig an Arbeit am Pflichtenheft beteiligt</a:t>
-            </a:r>
-          </a:p>
-          <a:p>
-            <a:pPr lvl="1"/>
-            <a:r>
-              <a:rPr lang="de-DE" dirty="0" smtClean="0"/>
-              <a:t>keine Vorlage für Protokoll benutzt (immer leeres Dokument)</a:t>
-            </a:r>
-          </a:p>
-          <a:p>
-            <a:pPr lvl="1"/>
-            <a:r>
-              <a:rPr lang="de-DE" dirty="0" smtClean="0"/>
-              <a:t>Quellcode-Kommentierung nicht stark genug durchgesetzt</a:t>
+              <a:t>Pflichtenheft</a:t>
             </a:r>
           </a:p>
           <a:p>
             <a:pPr lvl="2"/>
             <a:r>
               <a:rPr lang="de-DE" dirty="0" smtClean="0"/>
-              <a:t>eher mit Quellcode beschäftigen</a:t>
-            </a:r>
+              <a:t>Zusammenarbeit mit </a:t>
+            </a:r>
+            <a:r>
+              <a:rPr lang="de-DE" dirty="0" err="1" smtClean="0"/>
+              <a:t>Implementierern</a:t>
+            </a:r>
+            <a:r>
+              <a:rPr lang="de-DE" dirty="0" smtClean="0"/>
+              <a:t> nicht stark </a:t>
+            </a:r>
+            <a:r>
+              <a:rPr lang="de-DE" dirty="0" smtClean="0"/>
+              <a:t>genug</a:t>
+            </a:r>
+          </a:p>
+          <a:p>
+            <a:pPr marL="457200" lvl="3"/>
+            <a:r>
+              <a:rPr lang="de-DE" sz="2400" dirty="0" smtClean="0"/>
+              <a:t>zu wenig Feedback von den Gruppenmitgliedern erhalten</a:t>
+            </a:r>
+            <a:endParaRPr lang="de-DE" sz="2400" dirty="0" smtClean="0"/>
           </a:p>
         </p:txBody>
       </p:sp>
@@ -6646,9 +6883,18 @@
   <p:clrMapOvr>
     <a:masterClrMapping/>
   </p:clrMapOvr>
-  <p:transition>
-    <p:push dir="u"/>
-  </p:transition>
+  <mc:AlternateContent xmlns:mc="http://schemas.openxmlformats.org/markup-compatibility/2006" xmlns:p14="http://schemas.microsoft.com/office/powerpoint/2010/main">
+    <mc:Choice Requires="p14">
+      <p:transition p14:dur="250">
+        <p:push dir="u"/>
+      </p:transition>
+    </mc:Choice>
+    <mc:Fallback xmlns="">
+      <p:transition>
+        <p:push dir="u"/>
+      </p:transition>
+    </mc:Fallback>
+  </mc:AlternateContent>
   <p:timing>
     <p:tnLst>
       <p:par>
@@ -6830,9 +7076,130 @@
   <p:clrMapOvr>
     <a:masterClrMapping/>
   </p:clrMapOvr>
-  <p:transition>
-    <p:push dir="u"/>
-  </p:transition>
+  <mc:AlternateContent xmlns:mc="http://schemas.openxmlformats.org/markup-compatibility/2006" xmlns:p14="http://schemas.microsoft.com/office/powerpoint/2010/main">
+    <mc:Choice Requires="p14">
+      <p:transition p14:dur="250">
+        <p:push dir="u"/>
+      </p:transition>
+    </mc:Choice>
+    <mc:Fallback xmlns="">
+      <p:transition>
+        <p:push dir="u"/>
+      </p:transition>
+    </mc:Fallback>
+  </mc:AlternateContent>
+  <p:timing>
+    <p:tnLst>
+      <p:par>
+        <p:cTn id="1" dur="indefinite" restart="never" nodeType="tmRoot"/>
+      </p:par>
+    </p:tnLst>
+  </p:timing>
+</p:sld>
+</file>
+
+<file path=ppt/slides/slide29.xml><?xml version="1.0" encoding="utf-8"?>
+<p:sld xmlns:a="http://schemas.openxmlformats.org/drawingml/2006/main" xmlns:r="http://schemas.openxmlformats.org/officeDocument/2006/relationships" xmlns:p="http://schemas.openxmlformats.org/presentationml/2006/main">
+  <p:cSld>
+    <p:spTree>
+      <p:nvGrpSpPr>
+        <p:cNvPr id="1" name=""/>
+        <p:cNvGrpSpPr/>
+        <p:nvPr/>
+      </p:nvGrpSpPr>
+      <p:grpSpPr>
+        <a:xfrm>
+          <a:off x="0" y="0"/>
+          <a:ext cx="0" cy="0"/>
+          <a:chOff x="0" y="0"/>
+          <a:chExt cx="0" cy="0"/>
+        </a:xfrm>
+      </p:grpSpPr>
+      <p:sp>
+        <p:nvSpPr>
+          <p:cNvPr id="2" name="Titel 1"/>
+          <p:cNvSpPr>
+            <a:spLocks noGrp="1"/>
+          </p:cNvSpPr>
+          <p:nvPr>
+            <p:ph type="title"/>
+          </p:nvPr>
+        </p:nvSpPr>
+        <p:spPr/>
+        <p:txBody>
+          <a:bodyPr/>
+          <a:lstStyle/>
+          <a:p>
+            <a:r>
+              <a:rPr lang="de-DE" dirty="0" smtClean="0"/>
+              <a:t>4.  Gesamteinschätzung</a:t>
+            </a:r>
+            <a:endParaRPr lang="de-DE" dirty="0"/>
+          </a:p>
+        </p:txBody>
+      </p:sp>
+      <p:sp>
+        <p:nvSpPr>
+          <p:cNvPr id="3" name="Inhaltsplatzhalter 2"/>
+          <p:cNvSpPr>
+            <a:spLocks noGrp="1"/>
+          </p:cNvSpPr>
+          <p:nvPr>
+            <p:ph idx="1"/>
+          </p:nvPr>
+        </p:nvSpPr>
+        <p:spPr/>
+        <p:txBody>
+          <a:bodyPr/>
+          <a:lstStyle/>
+          <a:p>
+            <a:r>
+              <a:rPr lang="de-DE" dirty="0" smtClean="0"/>
+              <a:t>Interessant, einmal den kompletten SW-Entwicklungsprozess geübt zu haben</a:t>
+            </a:r>
+          </a:p>
+          <a:p>
+            <a:r>
+              <a:rPr lang="de-DE" dirty="0" smtClean="0"/>
+              <a:t>gute Gruppenarbeit (wir kannten uns gegenseitig bereits)</a:t>
+            </a:r>
+          </a:p>
+          <a:p>
+            <a:r>
+              <a:rPr lang="de-DE" dirty="0" smtClean="0"/>
+              <a:t>Meetings: alle Mitglieder anwesend</a:t>
+            </a:r>
+          </a:p>
+          <a:p>
+            <a:pPr marL="0" indent="0">
+              <a:buNone/>
+            </a:pPr>
+            <a:endParaRPr lang="de-DE" dirty="0"/>
+          </a:p>
+        </p:txBody>
+      </p:sp>
+    </p:spTree>
+    <p:extLst>
+      <p:ext uri="{BB962C8B-B14F-4D97-AF65-F5344CB8AC3E}">
+        <p14:creationId xmlns:p14="http://schemas.microsoft.com/office/powerpoint/2010/main" val="2553459239"/>
+      </p:ext>
+    </p:extLst>
+  </p:cSld>
+  <p:clrMapOvr>
+    <a:masterClrMapping/>
+  </p:clrMapOvr>
+  <mc:AlternateContent xmlns:mc="http://schemas.openxmlformats.org/markup-compatibility/2006" xmlns:p14="http://schemas.microsoft.com/office/powerpoint/2010/main">
+    <mc:Choice Requires="p14">
+      <p:transition p14:dur="250">
+        <p:push dir="u"/>
+      </p:transition>
+    </mc:Choice>
+    <mc:Fallback xmlns="">
+      <p:transition>
+        <p:push dir="u"/>
+      </p:transition>
+    </mc:Fallback>
+  </mc:AlternateContent>
   <p:timing>
     <p:tnLst>
       <p:par>
@@ -6973,9 +7340,18 @@
   <p:clrMapOvr>
     <a:masterClrMapping/>
   </p:clrMapOvr>
-  <p:transition>
-    <p:push dir="u"/>
-  </p:transition>
+  <mc:AlternateContent xmlns:mc="http://schemas.openxmlformats.org/markup-compatibility/2006" xmlns:p14="http://schemas.microsoft.com/office/powerpoint/2010/main">
+    <mc:Choice Requires="p14">
+      <p:transition p14:dur="250">
+        <p:push dir="u"/>
+      </p:transition>
+    </mc:Choice>
+    <mc:Fallback xmlns="">
+      <p:transition>
+        <p:push dir="u"/>
+      </p:transition>
+    </mc:Fallback>
+  </mc:AlternateContent>
   <p:timing>
     <p:tnLst>
       <p:par>
@@ -7196,9 +7572,18 @@
   <p:clrMapOvr>
     <a:masterClrMapping/>
   </p:clrMapOvr>
-  <p:transition>
-    <p:push dir="u"/>
-  </p:transition>
+  <mc:AlternateContent xmlns:mc="http://schemas.openxmlformats.org/markup-compatibility/2006" xmlns:p14="http://schemas.microsoft.com/office/powerpoint/2010/main">
+    <mc:Choice Requires="p14">
+      <p:transition p14:dur="250">
+        <p:push dir="u"/>
+      </p:transition>
+    </mc:Choice>
+    <mc:Fallback xmlns="">
+      <p:transition>
+        <p:push dir="u"/>
+      </p:transition>
+    </mc:Fallback>
+  </mc:AlternateContent>
   <p:timing>
     <p:tnLst>
       <p:par>
@@ -7362,9 +7747,18 @@
   <p:clrMapOvr>
     <a:masterClrMapping/>
   </p:clrMapOvr>
-  <p:transition>
-    <p:push dir="u"/>
-  </p:transition>
+  <mc:AlternateContent xmlns:mc="http://schemas.openxmlformats.org/markup-compatibility/2006" xmlns:p14="http://schemas.microsoft.com/office/powerpoint/2010/main">
+    <mc:Choice Requires="p14">
+      <p:transition p14:dur="250">
+        <p:push dir="u"/>
+      </p:transition>
+    </mc:Choice>
+    <mc:Fallback xmlns="">
+      <p:transition>
+        <p:push dir="u"/>
+      </p:transition>
+    </mc:Fallback>
+  </mc:AlternateContent>
   <p:timing>
     <p:tnLst>
       <p:par>
@@ -7421,13 +7815,13 @@
           <a:p>
             <a:r>
               <a:rPr lang="de-DE" sz="2400" dirty="0" smtClean="0"/>
-              <a:t>Textliche Beschreibungen</a:t>
+              <a:t>Text</a:t>
             </a:r>
           </a:p>
           <a:p>
             <a:r>
               <a:rPr lang="de-DE" sz="2400" dirty="0" smtClean="0"/>
-              <a:t>Diagramme (zur Ergänzung)</a:t>
+              <a:t>UML-Diagramme (zur Ergänzung)</a:t>
             </a:r>
           </a:p>
           <a:p>
@@ -7456,6 +7850,17 @@
             <a:r>
               <a:rPr lang="de-DE" dirty="0" smtClean="0"/>
               <a:t>Quellcodekommentare</a:t>
+            </a:r>
+          </a:p>
+          <a:p>
+            <a:pPr marL="342900" lvl="1" indent="-342900"/>
+            <a:r>
+              <a:rPr lang="de-DE" dirty="0"/>
+              <a:t>e</a:t>
+            </a:r>
+            <a:r>
+              <a:rPr lang="de-DE" dirty="0" smtClean="0"/>
+              <a:t>ventuell Audio &amp;Video</a:t>
             </a:r>
           </a:p>
           <a:p>
@@ -7503,9 +7908,18 @@
   <p:clrMapOvr>
     <a:masterClrMapping/>
   </p:clrMapOvr>
-  <p:transition>
-    <p:push dir="u"/>
-  </p:transition>
+  <mc:AlternateContent xmlns:mc="http://schemas.openxmlformats.org/markup-compatibility/2006" xmlns:p14="http://schemas.microsoft.com/office/powerpoint/2010/main">
+    <mc:Choice Requires="p14">
+      <p:transition p14:dur="250">
+        <p:push dir="u"/>
+      </p:transition>
+    </mc:Choice>
+    <mc:Fallback xmlns="">
+      <p:transition>
+        <p:push dir="u"/>
+      </p:transition>
+    </mc:Fallback>
+  </mc:AlternateContent>
   <p:timing>
     <p:tnLst>
       <p:par>
@@ -7657,9 +8071,18 @@
   <p:clrMapOvr>
     <a:masterClrMapping/>
   </p:clrMapOvr>
-  <p:transition>
-    <p:push dir="u"/>
-  </p:transition>
+  <mc:AlternateContent xmlns:mc="http://schemas.openxmlformats.org/markup-compatibility/2006" xmlns:p14="http://schemas.microsoft.com/office/powerpoint/2010/main">
+    <mc:Choice Requires="p14">
+      <p:transition p14:dur="250">
+        <p:push dir="u"/>
+      </p:transition>
+    </mc:Choice>
+    <mc:Fallback xmlns="">
+      <p:transition>
+        <p:push dir="u"/>
+      </p:transition>
+    </mc:Fallback>
+  </mc:AlternateContent>
   <p:timing>
     <p:tnLst>
       <p:par>
@@ -7732,7 +8155,7 @@
         </p:spPr>
         <p:txBody>
           <a:bodyPr>
-            <a:normAutofit lnSpcReduction="10000"/>
+            <a:normAutofit fontScale="92500"/>
           </a:bodyPr>
           <a:lstStyle/>
           <a:p>
@@ -7741,17 +8164,12 @@
             </a:pPr>
             <a:r>
               <a:rPr lang="de-DE" sz="2600" dirty="0"/>
-              <a:t>Wer sollte die </a:t>
+              <a:t>Wer sollte </a:t>
             </a:r>
             <a:r>
               <a:rPr lang="de-DE" sz="2600" dirty="0" smtClean="0"/>
-              <a:t>Entwickler-Dokumentation </a:t>
-            </a:r>
-            <a:r>
-              <a:rPr lang="de-DE" sz="2600" dirty="0"/>
-              <a:t>verfassen? </a:t>
-            </a:r>
-            <a:endParaRPr lang="de-DE" sz="2600" dirty="0" smtClean="0"/>
+              <a:t>in der Entwickler-Dokumentation die Implementierung dokumentieren? </a:t>
+            </a:r>
           </a:p>
           <a:p>
             <a:pPr marL="0" lvl="1" indent="0">
@@ -7776,7 +8194,15 @@
             <a:pPr lvl="1"/>
             <a:r>
               <a:rPr lang="de-DE" sz="2000" dirty="0" smtClean="0"/>
-              <a:t>ist  am besten mit internen Struktur und mit den Anforderungen der Software vertraut</a:t>
+              <a:t>ist am </a:t>
+            </a:r>
+            <a:r>
+              <a:rPr lang="de-DE" sz="2000" dirty="0"/>
+              <a:t>besten </a:t>
+            </a:r>
+            <a:r>
+              <a:rPr lang="de-DE" sz="2000" dirty="0" smtClean="0"/>
+              <a:t>mit internen Struktur und mit den Anforderungen der Software vertraut</a:t>
             </a:r>
           </a:p>
           <a:p>
@@ -7829,9 +8255,18 @@
   <p:clrMapOvr>
     <a:masterClrMapping/>
   </p:clrMapOvr>
-  <p:transition>
-    <p:push dir="u"/>
-  </p:transition>
+  <mc:AlternateContent xmlns:mc="http://schemas.openxmlformats.org/markup-compatibility/2006" xmlns:p14="http://schemas.microsoft.com/office/powerpoint/2010/main">
+    <mc:Choice Requires="p14">
+      <p:transition p14:dur="250">
+        <p:push dir="u"/>
+      </p:transition>
+    </mc:Choice>
+    <mc:Fallback xmlns="">
+      <p:transition>
+        <p:push dir="u"/>
+      </p:transition>
+    </mc:Fallback>
+  </mc:AlternateContent>
   <p:timing>
     <p:tnLst>
       <p:par>
@@ -7998,9 +8433,18 @@
   <p:clrMapOvr>
     <a:masterClrMapping/>
   </p:clrMapOvr>
-  <p:transition>
-    <p:push dir="u"/>
-  </p:transition>
+  <mc:AlternateContent xmlns:mc="http://schemas.openxmlformats.org/markup-compatibility/2006" xmlns:p14="http://schemas.microsoft.com/office/powerpoint/2010/main">
+    <mc:Choice Requires="p14">
+      <p:transition p14:dur="250">
+        <p:push dir="u"/>
+      </p:transition>
+    </mc:Choice>
+    <mc:Fallback xmlns="">
+      <p:transition>
+        <p:push dir="u"/>
+      </p:transition>
+    </mc:Fallback>
+  </mc:AlternateContent>
   <p:timing>
     <p:tnLst>
       <p:par>
